--- a/OnlineStoreDesign.pptx
+++ b/OnlineStoreDesign.pptx
@@ -6,6 +6,8 @@
   </p:sldMasterIdLst>
   <p:sldIdLst>
     <p:sldId id="256" r:id="rId2"/>
+    <p:sldId id="258" r:id="rId3"/>
+    <p:sldId id="257" r:id="rId4"/>
   </p:sldIdLst>
   <p:sldSz cx="12192000" cy="6858000"/>
   <p:notesSz cx="6858000" cy="9144000"/>
@@ -5126,10 +5128,706 @@
           </a:fontRef>
         </p:style>
       </p:cxnSp>
+      <p:sp>
+        <p:nvSpPr>
+          <p:cNvPr id="2" name="TextBox 1">
+            <a:extLst>
+              <a:ext uri="{FF2B5EF4-FFF2-40B4-BE49-F238E27FC236}">
+                <a16:creationId xmlns:a16="http://schemas.microsoft.com/office/drawing/2014/main" id="{0F81F77D-E0EF-6E89-326A-D2034FA64630}"/>
+              </a:ext>
+            </a:extLst>
+          </p:cNvPr>
+          <p:cNvSpPr txBox="1"/>
+          <p:nvPr/>
+        </p:nvSpPr>
+        <p:spPr>
+          <a:xfrm>
+            <a:off x="216125" y="756533"/>
+            <a:ext cx="2264402" cy="646331"/>
+          </a:xfrm>
+          <a:prstGeom prst="rect">
+            <a:avLst/>
+          </a:prstGeom>
+          <a:noFill/>
+        </p:spPr>
+        <p:txBody>
+          <a:bodyPr wrap="none" rtlCol="0">
+            <a:spAutoFit/>
+          </a:bodyPr>
+          <a:lstStyle/>
+          <a:p>
+            <a:r>
+              <a:rPr lang="en-PH" dirty="0"/>
+              <a:t>Is index needed?</a:t>
+            </a:r>
+          </a:p>
+          <a:p>
+            <a:r>
+              <a:rPr lang="en-PH" dirty="0"/>
+              <a:t>Or </a:t>
+            </a:r>
+            <a:r>
+              <a:rPr lang="en-PH" dirty="0" err="1"/>
+              <a:t>guest.jsp</a:t>
+            </a:r>
+            <a:r>
+              <a:rPr lang="en-PH" dirty="0"/>
+              <a:t> is needed</a:t>
+            </a:r>
+          </a:p>
+        </p:txBody>
+      </p:sp>
     </p:spTree>
     <p:extLst>
       <p:ext uri="{BB962C8B-B14F-4D97-AF65-F5344CB8AC3E}">
         <p14:creationId xmlns:p14="http://schemas.microsoft.com/office/powerpoint/2010/main" val="3114997629"/>
+      </p:ext>
+    </p:extLst>
+  </p:cSld>
+  <p:clrMapOvr>
+    <a:masterClrMapping/>
+  </p:clrMapOvr>
+</p:sld>
+</file>
+
+<file path=ppt/slides/slide2.xml><?xml version="1.0" encoding="utf-8"?>
+<p:sld xmlns:a="http://schemas.openxmlformats.org/drawingml/2006/main" xmlns:r="http://schemas.openxmlformats.org/officeDocument/2006/relationships" xmlns:p="http://schemas.openxmlformats.org/presentationml/2006/main">
+  <p:cSld>
+    <p:spTree>
+      <p:nvGrpSpPr>
+        <p:cNvPr id="1" name=""/>
+        <p:cNvGrpSpPr/>
+        <p:nvPr/>
+      </p:nvGrpSpPr>
+      <p:grpSpPr>
+        <a:xfrm>
+          <a:off x="0" y="0"/>
+          <a:ext cx="0" cy="0"/>
+          <a:chOff x="0" y="0"/>
+          <a:chExt cx="0" cy="0"/>
+        </a:xfrm>
+      </p:grpSpPr>
+      <p:sp>
+        <p:nvSpPr>
+          <p:cNvPr id="2" name="Title 1">
+            <a:extLst>
+              <a:ext uri="{FF2B5EF4-FFF2-40B4-BE49-F238E27FC236}">
+                <a16:creationId xmlns:a16="http://schemas.microsoft.com/office/drawing/2014/main" id="{CA2E8B05-D64E-6A0D-2C9C-8CEE5A1770D5}"/>
+              </a:ext>
+            </a:extLst>
+          </p:cNvPr>
+          <p:cNvSpPr>
+            <a:spLocks noGrp="1"/>
+          </p:cNvSpPr>
+          <p:nvPr>
+            <p:ph type="title"/>
+          </p:nvPr>
+        </p:nvSpPr>
+        <p:spPr/>
+        <p:txBody>
+          <a:bodyPr/>
+          <a:lstStyle/>
+          <a:p>
+            <a:r>
+              <a:rPr lang="en-PH" dirty="0"/>
+              <a:t>Pagination Reference</a:t>
+            </a:r>
+          </a:p>
+        </p:txBody>
+      </p:sp>
+      <p:pic>
+        <p:nvPicPr>
+          <p:cNvPr id="5" name="Picture 4">
+            <a:extLst>
+              <a:ext uri="{FF2B5EF4-FFF2-40B4-BE49-F238E27FC236}">
+                <a16:creationId xmlns:a16="http://schemas.microsoft.com/office/drawing/2014/main" id="{56296F58-A804-9863-1C76-D024EB8C8C79}"/>
+              </a:ext>
+            </a:extLst>
+          </p:cNvPr>
+          <p:cNvPicPr>
+            <a:picLocks noChangeAspect="1"/>
+          </p:cNvPicPr>
+          <p:nvPr/>
+        </p:nvPicPr>
+        <p:blipFill>
+          <a:blip r:embed="rId2"/>
+          <a:stretch>
+            <a:fillRect/>
+          </a:stretch>
+        </p:blipFill>
+        <p:spPr>
+          <a:xfrm>
+            <a:off x="1950152" y="2101074"/>
+            <a:ext cx="2343477" cy="771633"/>
+          </a:xfrm>
+          <a:prstGeom prst="rect">
+            <a:avLst/>
+          </a:prstGeom>
+        </p:spPr>
+      </p:pic>
+      <p:sp>
+        <p:nvSpPr>
+          <p:cNvPr id="6" name="TextBox 5">
+            <a:extLst>
+              <a:ext uri="{FF2B5EF4-FFF2-40B4-BE49-F238E27FC236}">
+                <a16:creationId xmlns:a16="http://schemas.microsoft.com/office/drawing/2014/main" id="{BEBDE4B3-8AAF-B406-2D48-87CE7367C245}"/>
+              </a:ext>
+            </a:extLst>
+          </p:cNvPr>
+          <p:cNvSpPr txBox="1"/>
+          <p:nvPr/>
+        </p:nvSpPr>
+        <p:spPr>
+          <a:xfrm>
+            <a:off x="2872509" y="3288145"/>
+            <a:ext cx="2966261" cy="369332"/>
+          </a:xfrm>
+          <a:prstGeom prst="rect">
+            <a:avLst/>
+          </a:prstGeom>
+          <a:noFill/>
+        </p:spPr>
+        <p:txBody>
+          <a:bodyPr wrap="none" rtlCol="0">
+            <a:spAutoFit/>
+          </a:bodyPr>
+          <a:lstStyle/>
+          <a:p>
+            <a:r>
+              <a:rPr lang="en-PH" dirty="0"/>
+              <a:t>40 x 102 page = 40080 items?</a:t>
+            </a:r>
+          </a:p>
+        </p:txBody>
+      </p:sp>
+      <p:pic>
+        <p:nvPicPr>
+          <p:cNvPr id="8" name="Picture 7">
+            <a:extLst>
+              <a:ext uri="{FF2B5EF4-FFF2-40B4-BE49-F238E27FC236}">
+                <a16:creationId xmlns:a16="http://schemas.microsoft.com/office/drawing/2014/main" id="{02952151-C21C-FFAE-EF87-070043161131}"/>
+              </a:ext>
+            </a:extLst>
+          </p:cNvPr>
+          <p:cNvPicPr>
+            <a:picLocks noChangeAspect="1"/>
+          </p:cNvPicPr>
+          <p:nvPr/>
+        </p:nvPicPr>
+        <p:blipFill>
+          <a:blip r:embed="rId3"/>
+          <a:stretch>
+            <a:fillRect/>
+          </a:stretch>
+        </p:blipFill>
+        <p:spPr>
+          <a:xfrm>
+            <a:off x="7276531" y="2308968"/>
+            <a:ext cx="3810532" cy="838317"/>
+          </a:xfrm>
+          <a:prstGeom prst="rect">
+            <a:avLst/>
+          </a:prstGeom>
+        </p:spPr>
+      </p:pic>
+      <p:pic>
+        <p:nvPicPr>
+          <p:cNvPr id="10" name="Picture 9">
+            <a:extLst>
+              <a:ext uri="{FF2B5EF4-FFF2-40B4-BE49-F238E27FC236}">
+                <a16:creationId xmlns:a16="http://schemas.microsoft.com/office/drawing/2014/main" id="{A8F72582-513B-849D-157F-8CFE1D95422D}"/>
+              </a:ext>
+            </a:extLst>
+          </p:cNvPr>
+          <p:cNvPicPr>
+            <a:picLocks noChangeAspect="1"/>
+          </p:cNvPicPr>
+          <p:nvPr/>
+        </p:nvPicPr>
+        <p:blipFill>
+          <a:blip r:embed="rId4"/>
+          <a:stretch>
+            <a:fillRect/>
+          </a:stretch>
+        </p:blipFill>
+        <p:spPr>
+          <a:xfrm>
+            <a:off x="7047899" y="3147285"/>
+            <a:ext cx="4039164" cy="676369"/>
+          </a:xfrm>
+          <a:prstGeom prst="rect">
+            <a:avLst/>
+          </a:prstGeom>
+        </p:spPr>
+      </p:pic>
+      <p:pic>
+        <p:nvPicPr>
+          <p:cNvPr id="12" name="Picture 11">
+            <a:extLst>
+              <a:ext uri="{FF2B5EF4-FFF2-40B4-BE49-F238E27FC236}">
+                <a16:creationId xmlns:a16="http://schemas.microsoft.com/office/drawing/2014/main" id="{FF9AF419-E332-326A-8C94-938AB26E6F54}"/>
+              </a:ext>
+            </a:extLst>
+          </p:cNvPr>
+          <p:cNvPicPr>
+            <a:picLocks noChangeAspect="1"/>
+          </p:cNvPicPr>
+          <p:nvPr/>
+        </p:nvPicPr>
+        <p:blipFill>
+          <a:blip r:embed="rId5"/>
+          <a:stretch>
+            <a:fillRect/>
+          </a:stretch>
+        </p:blipFill>
+        <p:spPr>
+          <a:xfrm>
+            <a:off x="7009794" y="3938778"/>
+            <a:ext cx="4344006" cy="695422"/>
+          </a:xfrm>
+          <a:prstGeom prst="rect">
+            <a:avLst/>
+          </a:prstGeom>
+        </p:spPr>
+      </p:pic>
+      <p:pic>
+        <p:nvPicPr>
+          <p:cNvPr id="14" name="Picture 13">
+            <a:extLst>
+              <a:ext uri="{FF2B5EF4-FFF2-40B4-BE49-F238E27FC236}">
+                <a16:creationId xmlns:a16="http://schemas.microsoft.com/office/drawing/2014/main" id="{0EDC5FBA-222D-945F-56F2-9E88081135F0}"/>
+              </a:ext>
+            </a:extLst>
+          </p:cNvPr>
+          <p:cNvPicPr>
+            <a:picLocks noChangeAspect="1"/>
+          </p:cNvPicPr>
+          <p:nvPr/>
+        </p:nvPicPr>
+        <p:blipFill>
+          <a:blip r:embed="rId6"/>
+          <a:stretch>
+            <a:fillRect/>
+          </a:stretch>
+        </p:blipFill>
+        <p:spPr>
+          <a:xfrm>
+            <a:off x="7496817" y="5505768"/>
+            <a:ext cx="3677163" cy="695422"/>
+          </a:xfrm>
+          <a:prstGeom prst="rect">
+            <a:avLst/>
+          </a:prstGeom>
+        </p:spPr>
+      </p:pic>
+      <p:pic>
+        <p:nvPicPr>
+          <p:cNvPr id="16" name="Picture 15">
+            <a:extLst>
+              <a:ext uri="{FF2B5EF4-FFF2-40B4-BE49-F238E27FC236}">
+                <a16:creationId xmlns:a16="http://schemas.microsoft.com/office/drawing/2014/main" id="{D7D3F712-BAC1-FFBE-3CF8-EC6357965F3E}"/>
+              </a:ext>
+            </a:extLst>
+          </p:cNvPr>
+          <p:cNvPicPr>
+            <a:picLocks noChangeAspect="1"/>
+          </p:cNvPicPr>
+          <p:nvPr/>
+        </p:nvPicPr>
+        <p:blipFill>
+          <a:blip r:embed="rId7"/>
+          <a:stretch>
+            <a:fillRect/>
+          </a:stretch>
+        </p:blipFill>
+        <p:spPr>
+          <a:xfrm>
+            <a:off x="6715658" y="4695222"/>
+            <a:ext cx="4458322" cy="685896"/>
+          </a:xfrm>
+          <a:prstGeom prst="rect">
+            <a:avLst/>
+          </a:prstGeom>
+        </p:spPr>
+      </p:pic>
+    </p:spTree>
+    <p:extLst>
+      <p:ext uri="{BB962C8B-B14F-4D97-AF65-F5344CB8AC3E}">
+        <p14:creationId xmlns:p14="http://schemas.microsoft.com/office/powerpoint/2010/main" val="1199523648"/>
+      </p:ext>
+    </p:extLst>
+  </p:cSld>
+  <p:clrMapOvr>
+    <a:masterClrMapping/>
+  </p:clrMapOvr>
+</p:sld>
+</file>
+
+<file path=ppt/slides/slide3.xml><?xml version="1.0" encoding="utf-8"?>
+<p:sld xmlns:a="http://schemas.openxmlformats.org/drawingml/2006/main" xmlns:r="http://schemas.openxmlformats.org/officeDocument/2006/relationships" xmlns:p="http://schemas.openxmlformats.org/presentationml/2006/main">
+  <p:cSld>
+    <p:spTree>
+      <p:nvGrpSpPr>
+        <p:cNvPr id="1" name=""/>
+        <p:cNvGrpSpPr/>
+        <p:nvPr/>
+      </p:nvGrpSpPr>
+      <p:grpSpPr>
+        <a:xfrm>
+          <a:off x="0" y="0"/>
+          <a:ext cx="0" cy="0"/>
+          <a:chOff x="0" y="0"/>
+          <a:chExt cx="0" cy="0"/>
+        </a:xfrm>
+      </p:grpSpPr>
+      <p:sp>
+        <p:nvSpPr>
+          <p:cNvPr id="2" name="Title 1">
+            <a:extLst>
+              <a:ext uri="{FF2B5EF4-FFF2-40B4-BE49-F238E27FC236}">
+                <a16:creationId xmlns:a16="http://schemas.microsoft.com/office/drawing/2014/main" id="{96C680C4-9EC2-1026-7314-2D97A7E7EEEE}"/>
+              </a:ext>
+            </a:extLst>
+          </p:cNvPr>
+          <p:cNvSpPr>
+            <a:spLocks noGrp="1"/>
+          </p:cNvSpPr>
+          <p:nvPr>
+            <p:ph type="title"/>
+          </p:nvPr>
+        </p:nvSpPr>
+        <p:spPr/>
+        <p:txBody>
+          <a:bodyPr/>
+          <a:lstStyle/>
+          <a:p>
+            <a:r>
+              <a:rPr lang="en-PH" dirty="0"/>
+              <a:t>Pagination Design for 60 items</a:t>
+            </a:r>
+          </a:p>
+        </p:txBody>
+      </p:sp>
+      <p:pic>
+        <p:nvPicPr>
+          <p:cNvPr id="5" name="Picture 4">
+            <a:extLst>
+              <a:ext uri="{FF2B5EF4-FFF2-40B4-BE49-F238E27FC236}">
+                <a16:creationId xmlns:a16="http://schemas.microsoft.com/office/drawing/2014/main" id="{A9B42E0D-E7BE-5C6E-B883-A4509569CFCA}"/>
+              </a:ext>
+            </a:extLst>
+          </p:cNvPr>
+          <p:cNvPicPr>
+            <a:picLocks noChangeAspect="1"/>
+          </p:cNvPicPr>
+          <p:nvPr/>
+        </p:nvPicPr>
+        <p:blipFill>
+          <a:blip r:embed="rId2"/>
+          <a:stretch>
+            <a:fillRect/>
+          </a:stretch>
+        </p:blipFill>
+        <p:spPr>
+          <a:xfrm>
+            <a:off x="7838584" y="1780423"/>
+            <a:ext cx="3515216" cy="476316"/>
+          </a:xfrm>
+          <a:prstGeom prst="rect">
+            <a:avLst/>
+          </a:prstGeom>
+        </p:spPr>
+      </p:pic>
+      <p:sp>
+        <p:nvSpPr>
+          <p:cNvPr id="6" name="TextBox 5">
+            <a:extLst>
+              <a:ext uri="{FF2B5EF4-FFF2-40B4-BE49-F238E27FC236}">
+                <a16:creationId xmlns:a16="http://schemas.microsoft.com/office/drawing/2014/main" id="{E74ECF30-985D-2001-2B54-BFD2124818D4}"/>
+              </a:ext>
+            </a:extLst>
+          </p:cNvPr>
+          <p:cNvSpPr txBox="1"/>
+          <p:nvPr/>
+        </p:nvSpPr>
+        <p:spPr>
+          <a:xfrm>
+            <a:off x="2682815" y="2018581"/>
+            <a:ext cx="3709734" cy="646331"/>
+          </a:xfrm>
+          <a:prstGeom prst="rect">
+            <a:avLst/>
+          </a:prstGeom>
+          <a:noFill/>
+        </p:spPr>
+        <p:txBody>
+          <a:bodyPr wrap="none" rtlCol="0">
+            <a:spAutoFit/>
+          </a:bodyPr>
+          <a:lstStyle/>
+          <a:p>
+            <a:r>
+              <a:rPr lang="en-PH" dirty="0"/>
+              <a:t>60 items :</a:t>
+            </a:r>
+          </a:p>
+          <a:p>
+            <a:r>
+              <a:rPr lang="en-PH" dirty="0"/>
+              <a:t>	8 items per page x 7 pages</a:t>
+            </a:r>
+          </a:p>
+        </p:txBody>
+      </p:sp>
+      <p:sp>
+        <p:nvSpPr>
+          <p:cNvPr id="7" name="TextBox 6">
+            <a:extLst>
+              <a:ext uri="{FF2B5EF4-FFF2-40B4-BE49-F238E27FC236}">
+                <a16:creationId xmlns:a16="http://schemas.microsoft.com/office/drawing/2014/main" id="{2F3DA663-76F9-D9EB-8AEA-C1800FF4C401}"/>
+              </a:ext>
+            </a:extLst>
+          </p:cNvPr>
+          <p:cNvSpPr txBox="1"/>
+          <p:nvPr/>
+        </p:nvSpPr>
+        <p:spPr>
+          <a:xfrm>
+            <a:off x="8617528" y="2664912"/>
+            <a:ext cx="1515158" cy="369332"/>
+          </a:xfrm>
+          <a:prstGeom prst="rect">
+            <a:avLst/>
+          </a:prstGeom>
+          <a:noFill/>
+        </p:spPr>
+        <p:txBody>
+          <a:bodyPr wrap="none" rtlCol="0">
+            <a:spAutoFit/>
+          </a:bodyPr>
+          <a:lstStyle/>
+          <a:p>
+            <a:r>
+              <a:rPr lang="en-PH" dirty="0"/>
+              <a:t>[1] 2 3 4 5 6  7</a:t>
+            </a:r>
+          </a:p>
+        </p:txBody>
+      </p:sp>
+      <p:sp>
+        <p:nvSpPr>
+          <p:cNvPr id="8" name="TextBox 7">
+            <a:extLst>
+              <a:ext uri="{FF2B5EF4-FFF2-40B4-BE49-F238E27FC236}">
+                <a16:creationId xmlns:a16="http://schemas.microsoft.com/office/drawing/2014/main" id="{EA749236-C0A2-98E7-2E58-8D53F43407B6}"/>
+              </a:ext>
+            </a:extLst>
+          </p:cNvPr>
+          <p:cNvSpPr txBox="1"/>
+          <p:nvPr/>
+        </p:nvSpPr>
+        <p:spPr>
+          <a:xfrm>
+            <a:off x="8617528" y="3142734"/>
+            <a:ext cx="1462260" cy="369332"/>
+          </a:xfrm>
+          <a:prstGeom prst="rect">
+            <a:avLst/>
+          </a:prstGeom>
+          <a:noFill/>
+        </p:spPr>
+        <p:txBody>
+          <a:bodyPr wrap="none" rtlCol="0">
+            <a:spAutoFit/>
+          </a:bodyPr>
+          <a:lstStyle/>
+          <a:p>
+            <a:r>
+              <a:rPr lang="en-PH" dirty="0"/>
+              <a:t>1 [2] 3 4 5 6 7</a:t>
+            </a:r>
+          </a:p>
+        </p:txBody>
+      </p:sp>
+      <p:sp>
+        <p:nvSpPr>
+          <p:cNvPr id="10" name="TextBox 9">
+            <a:extLst>
+              <a:ext uri="{FF2B5EF4-FFF2-40B4-BE49-F238E27FC236}">
+                <a16:creationId xmlns:a16="http://schemas.microsoft.com/office/drawing/2014/main" id="{731D8157-DAA5-456F-8B2E-F25B3E11AE1A}"/>
+              </a:ext>
+            </a:extLst>
+          </p:cNvPr>
+          <p:cNvSpPr txBox="1"/>
+          <p:nvPr/>
+        </p:nvSpPr>
+        <p:spPr>
+          <a:xfrm>
+            <a:off x="8617528" y="3620556"/>
+            <a:ext cx="1462260" cy="369332"/>
+          </a:xfrm>
+          <a:prstGeom prst="rect">
+            <a:avLst/>
+          </a:prstGeom>
+          <a:noFill/>
+        </p:spPr>
+        <p:txBody>
+          <a:bodyPr wrap="none" rtlCol="0">
+            <a:spAutoFit/>
+          </a:bodyPr>
+          <a:lstStyle/>
+          <a:p>
+            <a:r>
+              <a:rPr lang="en-PH" dirty="0"/>
+              <a:t>1 2 [3] 4 5 6 7</a:t>
+            </a:r>
+          </a:p>
+        </p:txBody>
+      </p:sp>
+      <p:sp>
+        <p:nvSpPr>
+          <p:cNvPr id="11" name="TextBox 10">
+            <a:extLst>
+              <a:ext uri="{FF2B5EF4-FFF2-40B4-BE49-F238E27FC236}">
+                <a16:creationId xmlns:a16="http://schemas.microsoft.com/office/drawing/2014/main" id="{847EA4AF-7840-0B5E-A9F7-7120684DE600}"/>
+              </a:ext>
+            </a:extLst>
+          </p:cNvPr>
+          <p:cNvSpPr txBox="1"/>
+          <p:nvPr/>
+        </p:nvSpPr>
+        <p:spPr>
+          <a:xfrm>
+            <a:off x="8617528" y="4045146"/>
+            <a:ext cx="1462260" cy="369332"/>
+          </a:xfrm>
+          <a:prstGeom prst="rect">
+            <a:avLst/>
+          </a:prstGeom>
+          <a:noFill/>
+        </p:spPr>
+        <p:txBody>
+          <a:bodyPr wrap="none" rtlCol="0">
+            <a:spAutoFit/>
+          </a:bodyPr>
+          <a:lstStyle/>
+          <a:p>
+            <a:r>
+              <a:rPr lang="en-PH" dirty="0"/>
+              <a:t>1 2 3 [4] 5 6 7</a:t>
+            </a:r>
+          </a:p>
+        </p:txBody>
+      </p:sp>
+      <p:sp>
+        <p:nvSpPr>
+          <p:cNvPr id="12" name="TextBox 11">
+            <a:extLst>
+              <a:ext uri="{FF2B5EF4-FFF2-40B4-BE49-F238E27FC236}">
+                <a16:creationId xmlns:a16="http://schemas.microsoft.com/office/drawing/2014/main" id="{554C16D8-9324-48F3-B2E6-A3B3F7082C1B}"/>
+              </a:ext>
+            </a:extLst>
+          </p:cNvPr>
+          <p:cNvSpPr txBox="1"/>
+          <p:nvPr/>
+        </p:nvSpPr>
+        <p:spPr>
+          <a:xfrm>
+            <a:off x="8617528" y="4469736"/>
+            <a:ext cx="1462260" cy="369332"/>
+          </a:xfrm>
+          <a:prstGeom prst="rect">
+            <a:avLst/>
+          </a:prstGeom>
+          <a:noFill/>
+        </p:spPr>
+        <p:txBody>
+          <a:bodyPr wrap="none" rtlCol="0">
+            <a:spAutoFit/>
+          </a:bodyPr>
+          <a:lstStyle/>
+          <a:p>
+            <a:r>
+              <a:rPr lang="en-PH" dirty="0"/>
+              <a:t>1 2 3 4 [5] 6 7</a:t>
+            </a:r>
+          </a:p>
+        </p:txBody>
+      </p:sp>
+      <p:sp>
+        <p:nvSpPr>
+          <p:cNvPr id="14" name="TextBox 13">
+            <a:extLst>
+              <a:ext uri="{FF2B5EF4-FFF2-40B4-BE49-F238E27FC236}">
+                <a16:creationId xmlns:a16="http://schemas.microsoft.com/office/drawing/2014/main" id="{06DE75F9-CC29-60DF-78E5-8CDEDCAC2DAF}"/>
+              </a:ext>
+            </a:extLst>
+          </p:cNvPr>
+          <p:cNvSpPr txBox="1"/>
+          <p:nvPr/>
+        </p:nvSpPr>
+        <p:spPr>
+          <a:xfrm>
+            <a:off x="8617528" y="4906335"/>
+            <a:ext cx="1503938" cy="369332"/>
+          </a:xfrm>
+          <a:prstGeom prst="rect">
+            <a:avLst/>
+          </a:prstGeom>
+          <a:noFill/>
+        </p:spPr>
+        <p:txBody>
+          <a:bodyPr wrap="none" rtlCol="0">
+            <a:spAutoFit/>
+          </a:bodyPr>
+          <a:lstStyle/>
+          <a:p>
+            <a:r>
+              <a:rPr lang="en-PH" dirty="0"/>
+              <a:t>1 2 3 4 5 [6] 7</a:t>
+            </a:r>
+          </a:p>
+        </p:txBody>
+      </p:sp>
+      <p:sp>
+        <p:nvSpPr>
+          <p:cNvPr id="15" name="TextBox 14">
+            <a:extLst>
+              <a:ext uri="{FF2B5EF4-FFF2-40B4-BE49-F238E27FC236}">
+                <a16:creationId xmlns:a16="http://schemas.microsoft.com/office/drawing/2014/main" id="{827B83C8-80F9-7AAB-473F-3034161D5C29}"/>
+              </a:ext>
+            </a:extLst>
+          </p:cNvPr>
+          <p:cNvSpPr txBox="1"/>
+          <p:nvPr/>
+        </p:nvSpPr>
+        <p:spPr>
+          <a:xfrm>
+            <a:off x="8617528" y="5275667"/>
+            <a:ext cx="1503938" cy="369332"/>
+          </a:xfrm>
+          <a:prstGeom prst="rect">
+            <a:avLst/>
+          </a:prstGeom>
+          <a:noFill/>
+        </p:spPr>
+        <p:txBody>
+          <a:bodyPr wrap="none" rtlCol="0">
+            <a:spAutoFit/>
+          </a:bodyPr>
+          <a:lstStyle/>
+          <a:p>
+            <a:r>
+              <a:rPr lang="en-PH" dirty="0"/>
+              <a:t>1 2 3 4 5 6 [7]</a:t>
+            </a:r>
+          </a:p>
+        </p:txBody>
+      </p:sp>
+    </p:spTree>
+    <p:extLst>
+      <p:ext uri="{BB962C8B-B14F-4D97-AF65-F5344CB8AC3E}">
+        <p14:creationId xmlns:p14="http://schemas.microsoft.com/office/powerpoint/2010/main" val="677627743"/>
       </p:ext>
     </p:extLst>
   </p:cSld>

--- a/OnlineStoreDesign.pptx
+++ b/OnlineStoreDesign.pptx
@@ -263,7 +263,7 @@
           <a:p>
             <a:fld id="{5AC92F4A-DECD-4A23-8851-8B79A4B4F19B}" type="datetimeFigureOut">
               <a:rPr lang="en-PH" smtClean="0"/>
-              <a:t>03/05/2022</a:t>
+              <a:t>05/05/2022</a:t>
             </a:fld>
             <a:endParaRPr lang="en-PH"/>
           </a:p>
@@ -463,7 +463,7 @@
           <a:p>
             <a:fld id="{5AC92F4A-DECD-4A23-8851-8B79A4B4F19B}" type="datetimeFigureOut">
               <a:rPr lang="en-PH" smtClean="0"/>
-              <a:t>03/05/2022</a:t>
+              <a:t>05/05/2022</a:t>
             </a:fld>
             <a:endParaRPr lang="en-PH"/>
           </a:p>
@@ -673,7 +673,7 @@
           <a:p>
             <a:fld id="{5AC92F4A-DECD-4A23-8851-8B79A4B4F19B}" type="datetimeFigureOut">
               <a:rPr lang="en-PH" smtClean="0"/>
-              <a:t>03/05/2022</a:t>
+              <a:t>05/05/2022</a:t>
             </a:fld>
             <a:endParaRPr lang="en-PH"/>
           </a:p>
@@ -873,7 +873,7 @@
           <a:p>
             <a:fld id="{5AC92F4A-DECD-4A23-8851-8B79A4B4F19B}" type="datetimeFigureOut">
               <a:rPr lang="en-PH" smtClean="0"/>
-              <a:t>03/05/2022</a:t>
+              <a:t>05/05/2022</a:t>
             </a:fld>
             <a:endParaRPr lang="en-PH"/>
           </a:p>
@@ -1149,7 +1149,7 @@
           <a:p>
             <a:fld id="{5AC92F4A-DECD-4A23-8851-8B79A4B4F19B}" type="datetimeFigureOut">
               <a:rPr lang="en-PH" smtClean="0"/>
-              <a:t>03/05/2022</a:t>
+              <a:t>05/05/2022</a:t>
             </a:fld>
             <a:endParaRPr lang="en-PH"/>
           </a:p>
@@ -1417,7 +1417,7 @@
           <a:p>
             <a:fld id="{5AC92F4A-DECD-4A23-8851-8B79A4B4F19B}" type="datetimeFigureOut">
               <a:rPr lang="en-PH" smtClean="0"/>
-              <a:t>03/05/2022</a:t>
+              <a:t>05/05/2022</a:t>
             </a:fld>
             <a:endParaRPr lang="en-PH"/>
           </a:p>
@@ -1832,7 +1832,7 @@
           <a:p>
             <a:fld id="{5AC92F4A-DECD-4A23-8851-8B79A4B4F19B}" type="datetimeFigureOut">
               <a:rPr lang="en-PH" smtClean="0"/>
-              <a:t>03/05/2022</a:t>
+              <a:t>05/05/2022</a:t>
             </a:fld>
             <a:endParaRPr lang="en-PH"/>
           </a:p>
@@ -1974,7 +1974,7 @@
           <a:p>
             <a:fld id="{5AC92F4A-DECD-4A23-8851-8B79A4B4F19B}" type="datetimeFigureOut">
               <a:rPr lang="en-PH" smtClean="0"/>
-              <a:t>03/05/2022</a:t>
+              <a:t>05/05/2022</a:t>
             </a:fld>
             <a:endParaRPr lang="en-PH"/>
           </a:p>
@@ -2087,7 +2087,7 @@
           <a:p>
             <a:fld id="{5AC92F4A-DECD-4A23-8851-8B79A4B4F19B}" type="datetimeFigureOut">
               <a:rPr lang="en-PH" smtClean="0"/>
-              <a:t>03/05/2022</a:t>
+              <a:t>05/05/2022</a:t>
             </a:fld>
             <a:endParaRPr lang="en-PH"/>
           </a:p>
@@ -2400,7 +2400,7 @@
           <a:p>
             <a:fld id="{5AC92F4A-DECD-4A23-8851-8B79A4B4F19B}" type="datetimeFigureOut">
               <a:rPr lang="en-PH" smtClean="0"/>
-              <a:t>03/05/2022</a:t>
+              <a:t>05/05/2022</a:t>
             </a:fld>
             <a:endParaRPr lang="en-PH"/>
           </a:p>
@@ -2689,7 +2689,7 @@
           <a:p>
             <a:fld id="{5AC92F4A-DECD-4A23-8851-8B79A4B4F19B}" type="datetimeFigureOut">
               <a:rPr lang="en-PH" smtClean="0"/>
-              <a:t>03/05/2022</a:t>
+              <a:t>05/05/2022</a:t>
             </a:fld>
             <a:endParaRPr lang="en-PH"/>
           </a:p>
@@ -2932,7 +2932,7 @@
           <a:p>
             <a:fld id="{5AC92F4A-DECD-4A23-8851-8B79A4B4F19B}" type="datetimeFigureOut">
               <a:rPr lang="en-PH" smtClean="0"/>
-              <a:t>03/05/2022</a:t>
+              <a:t>05/05/2022</a:t>
             </a:fld>
             <a:endParaRPr lang="en-PH"/>
           </a:p>
@@ -4684,12 +4684,7 @@
           <a:prstGeom prst="rect">
             <a:avLst/>
           </a:prstGeom>
-          <a:solidFill>
-            <a:schemeClr val="accent2">
-              <a:lumMod val="60000"/>
-              <a:lumOff val="40000"/>
-            </a:schemeClr>
-          </a:solidFill>
+          <a:noFill/>
           <a:ln>
             <a:solidFill>
               <a:schemeClr val="tx1"/>
@@ -5128,55 +5123,6 @@
           </a:fontRef>
         </p:style>
       </p:cxnSp>
-      <p:sp>
-        <p:nvSpPr>
-          <p:cNvPr id="2" name="TextBox 1">
-            <a:extLst>
-              <a:ext uri="{FF2B5EF4-FFF2-40B4-BE49-F238E27FC236}">
-                <a16:creationId xmlns:a16="http://schemas.microsoft.com/office/drawing/2014/main" id="{0F81F77D-E0EF-6E89-326A-D2034FA64630}"/>
-              </a:ext>
-            </a:extLst>
-          </p:cNvPr>
-          <p:cNvSpPr txBox="1"/>
-          <p:nvPr/>
-        </p:nvSpPr>
-        <p:spPr>
-          <a:xfrm>
-            <a:off x="216125" y="756533"/>
-            <a:ext cx="2264402" cy="646331"/>
-          </a:xfrm>
-          <a:prstGeom prst="rect">
-            <a:avLst/>
-          </a:prstGeom>
-          <a:noFill/>
-        </p:spPr>
-        <p:txBody>
-          <a:bodyPr wrap="none" rtlCol="0">
-            <a:spAutoFit/>
-          </a:bodyPr>
-          <a:lstStyle/>
-          <a:p>
-            <a:r>
-              <a:rPr lang="en-PH" dirty="0"/>
-              <a:t>Is index needed?</a:t>
-            </a:r>
-          </a:p>
-          <a:p>
-            <a:r>
-              <a:rPr lang="en-PH" dirty="0"/>
-              <a:t>Or </a:t>
-            </a:r>
-            <a:r>
-              <a:rPr lang="en-PH" dirty="0" err="1"/>
-              <a:t>guest.jsp</a:t>
-            </a:r>
-            <a:r>
-              <a:rPr lang="en-PH" dirty="0"/>
-              <a:t> is needed</a:t>
-            </a:r>
-          </a:p>
-        </p:txBody>
-      </p:sp>
     </p:spTree>
     <p:extLst>
       <p:ext uri="{BB962C8B-B14F-4D97-AF65-F5344CB8AC3E}">

--- a/OnlineStoreDesign.pptx
+++ b/OnlineStoreDesign.pptx
@@ -6,8 +6,9 @@
   </p:sldMasterIdLst>
   <p:sldIdLst>
     <p:sldId id="256" r:id="rId2"/>
-    <p:sldId id="258" r:id="rId3"/>
-    <p:sldId id="257" r:id="rId4"/>
+    <p:sldId id="259" r:id="rId3"/>
+    <p:sldId id="258" r:id="rId4"/>
+    <p:sldId id="257" r:id="rId5"/>
   </p:sldIdLst>
   <p:sldSz cx="12192000" cy="6858000"/>
   <p:notesSz cx="6858000" cy="9144000"/>
@@ -263,7 +264,7 @@
           <a:p>
             <a:fld id="{5AC92F4A-DECD-4A23-8851-8B79A4B4F19B}" type="datetimeFigureOut">
               <a:rPr lang="en-PH" smtClean="0"/>
-              <a:t>05/05/2022</a:t>
+              <a:t>08/05/2022</a:t>
             </a:fld>
             <a:endParaRPr lang="en-PH"/>
           </a:p>
@@ -463,7 +464,7 @@
           <a:p>
             <a:fld id="{5AC92F4A-DECD-4A23-8851-8B79A4B4F19B}" type="datetimeFigureOut">
               <a:rPr lang="en-PH" smtClean="0"/>
-              <a:t>05/05/2022</a:t>
+              <a:t>08/05/2022</a:t>
             </a:fld>
             <a:endParaRPr lang="en-PH"/>
           </a:p>
@@ -673,7 +674,7 @@
           <a:p>
             <a:fld id="{5AC92F4A-DECD-4A23-8851-8B79A4B4F19B}" type="datetimeFigureOut">
               <a:rPr lang="en-PH" smtClean="0"/>
-              <a:t>05/05/2022</a:t>
+              <a:t>08/05/2022</a:t>
             </a:fld>
             <a:endParaRPr lang="en-PH"/>
           </a:p>
@@ -873,7 +874,7 @@
           <a:p>
             <a:fld id="{5AC92F4A-DECD-4A23-8851-8B79A4B4F19B}" type="datetimeFigureOut">
               <a:rPr lang="en-PH" smtClean="0"/>
-              <a:t>05/05/2022</a:t>
+              <a:t>08/05/2022</a:t>
             </a:fld>
             <a:endParaRPr lang="en-PH"/>
           </a:p>
@@ -1149,7 +1150,7 @@
           <a:p>
             <a:fld id="{5AC92F4A-DECD-4A23-8851-8B79A4B4F19B}" type="datetimeFigureOut">
               <a:rPr lang="en-PH" smtClean="0"/>
-              <a:t>05/05/2022</a:t>
+              <a:t>08/05/2022</a:t>
             </a:fld>
             <a:endParaRPr lang="en-PH"/>
           </a:p>
@@ -1417,7 +1418,7 @@
           <a:p>
             <a:fld id="{5AC92F4A-DECD-4A23-8851-8B79A4B4F19B}" type="datetimeFigureOut">
               <a:rPr lang="en-PH" smtClean="0"/>
-              <a:t>05/05/2022</a:t>
+              <a:t>08/05/2022</a:t>
             </a:fld>
             <a:endParaRPr lang="en-PH"/>
           </a:p>
@@ -1832,7 +1833,7 @@
           <a:p>
             <a:fld id="{5AC92F4A-DECD-4A23-8851-8B79A4B4F19B}" type="datetimeFigureOut">
               <a:rPr lang="en-PH" smtClean="0"/>
-              <a:t>05/05/2022</a:t>
+              <a:t>08/05/2022</a:t>
             </a:fld>
             <a:endParaRPr lang="en-PH"/>
           </a:p>
@@ -1974,7 +1975,7 @@
           <a:p>
             <a:fld id="{5AC92F4A-DECD-4A23-8851-8B79A4B4F19B}" type="datetimeFigureOut">
               <a:rPr lang="en-PH" smtClean="0"/>
-              <a:t>05/05/2022</a:t>
+              <a:t>08/05/2022</a:t>
             </a:fld>
             <a:endParaRPr lang="en-PH"/>
           </a:p>
@@ -2087,7 +2088,7 @@
           <a:p>
             <a:fld id="{5AC92F4A-DECD-4A23-8851-8B79A4B4F19B}" type="datetimeFigureOut">
               <a:rPr lang="en-PH" smtClean="0"/>
-              <a:t>05/05/2022</a:t>
+              <a:t>08/05/2022</a:t>
             </a:fld>
             <a:endParaRPr lang="en-PH"/>
           </a:p>
@@ -2400,7 +2401,7 @@
           <a:p>
             <a:fld id="{5AC92F4A-DECD-4A23-8851-8B79A4B4F19B}" type="datetimeFigureOut">
               <a:rPr lang="en-PH" smtClean="0"/>
-              <a:t>05/05/2022</a:t>
+              <a:t>08/05/2022</a:t>
             </a:fld>
             <a:endParaRPr lang="en-PH"/>
           </a:p>
@@ -2689,7 +2690,7 @@
           <a:p>
             <a:fld id="{5AC92F4A-DECD-4A23-8851-8B79A4B4F19B}" type="datetimeFigureOut">
               <a:rPr lang="en-PH" smtClean="0"/>
-              <a:t>05/05/2022</a:t>
+              <a:t>08/05/2022</a:t>
             </a:fld>
             <a:endParaRPr lang="en-PH"/>
           </a:p>
@@ -2932,7 +2933,7 @@
           <a:p>
             <a:fld id="{5AC92F4A-DECD-4A23-8851-8B79A4B4F19B}" type="datetimeFigureOut">
               <a:rPr lang="en-PH" smtClean="0"/>
-              <a:t>05/05/2022</a:t>
+              <a:t>08/05/2022</a:t>
             </a:fld>
             <a:endParaRPr lang="en-PH"/>
           </a:p>
@@ -5158,6 +5159,834 @@
           <p:cNvPr id="2" name="Title 1">
             <a:extLst>
               <a:ext uri="{FF2B5EF4-FFF2-40B4-BE49-F238E27FC236}">
+                <a16:creationId xmlns:a16="http://schemas.microsoft.com/office/drawing/2014/main" id="{ACD798CF-07B9-386B-A7C7-62A820211B2F}"/>
+              </a:ext>
+            </a:extLst>
+          </p:cNvPr>
+          <p:cNvSpPr>
+            <a:spLocks noGrp="1"/>
+          </p:cNvSpPr>
+          <p:nvPr>
+            <p:ph type="title"/>
+          </p:nvPr>
+        </p:nvSpPr>
+        <p:spPr/>
+        <p:txBody>
+          <a:bodyPr/>
+          <a:lstStyle/>
+          <a:p>
+            <a:r>
+              <a:rPr lang="en-PH" dirty="0"/>
+              <a:t>Flow</a:t>
+            </a:r>
+          </a:p>
+        </p:txBody>
+      </p:sp>
+      <p:sp>
+        <p:nvSpPr>
+          <p:cNvPr id="4" name="TextBox 3">
+            <a:extLst>
+              <a:ext uri="{FF2B5EF4-FFF2-40B4-BE49-F238E27FC236}">
+                <a16:creationId xmlns:a16="http://schemas.microsoft.com/office/drawing/2014/main" id="{C948AEEC-C0C8-9EB7-967D-C6184509917A}"/>
+              </a:ext>
+            </a:extLst>
+          </p:cNvPr>
+          <p:cNvSpPr txBox="1"/>
+          <p:nvPr/>
+        </p:nvSpPr>
+        <p:spPr>
+          <a:xfrm>
+            <a:off x="1011115" y="1899138"/>
+            <a:ext cx="1016368" cy="369332"/>
+          </a:xfrm>
+          <a:prstGeom prst="rect">
+            <a:avLst/>
+          </a:prstGeom>
+          <a:noFill/>
+          <a:ln>
+            <a:solidFill>
+              <a:schemeClr val="tx1"/>
+            </a:solidFill>
+          </a:ln>
+        </p:spPr>
+        <p:txBody>
+          <a:bodyPr wrap="none" rtlCol="0">
+            <a:spAutoFit/>
+          </a:bodyPr>
+          <a:lstStyle/>
+          <a:p>
+            <a:r>
+              <a:rPr lang="en-PH" dirty="0" err="1"/>
+              <a:t>index.jsp</a:t>
+            </a:r>
+            <a:endParaRPr lang="en-PH" dirty="0"/>
+          </a:p>
+        </p:txBody>
+      </p:sp>
+      <p:sp>
+        <p:nvSpPr>
+          <p:cNvPr id="5" name="TextBox 4">
+            <a:extLst>
+              <a:ext uri="{FF2B5EF4-FFF2-40B4-BE49-F238E27FC236}">
+                <a16:creationId xmlns:a16="http://schemas.microsoft.com/office/drawing/2014/main" id="{C4F8C744-5A9B-3DEE-2B27-E14181F2E22E}"/>
+              </a:ext>
+            </a:extLst>
+          </p:cNvPr>
+          <p:cNvSpPr txBox="1"/>
+          <p:nvPr/>
+        </p:nvSpPr>
+        <p:spPr>
+          <a:xfrm>
+            <a:off x="3300046" y="1899138"/>
+            <a:ext cx="966931" cy="369332"/>
+          </a:xfrm>
+          <a:prstGeom prst="rect">
+            <a:avLst/>
+          </a:prstGeom>
+          <a:noFill/>
+          <a:ln>
+            <a:solidFill>
+              <a:schemeClr val="tx1"/>
+            </a:solidFill>
+          </a:ln>
+        </p:spPr>
+        <p:txBody>
+          <a:bodyPr wrap="none" rtlCol="0">
+            <a:spAutoFit/>
+          </a:bodyPr>
+          <a:lstStyle/>
+          <a:p>
+            <a:r>
+              <a:rPr lang="en-PH" dirty="0" err="1"/>
+              <a:t>login.jsp</a:t>
+            </a:r>
+            <a:endParaRPr lang="en-PH" dirty="0"/>
+          </a:p>
+        </p:txBody>
+      </p:sp>
+      <p:cxnSp>
+        <p:nvCxnSpPr>
+          <p:cNvPr id="6" name="Straight Arrow Connector 5">
+            <a:extLst>
+              <a:ext uri="{FF2B5EF4-FFF2-40B4-BE49-F238E27FC236}">
+                <a16:creationId xmlns:a16="http://schemas.microsoft.com/office/drawing/2014/main" id="{08DC3247-8547-4643-5A4D-B74390049343}"/>
+              </a:ext>
+            </a:extLst>
+          </p:cNvPr>
+          <p:cNvCxnSpPr>
+            <a:stCxn id="4" idx="3"/>
+            <a:endCxn id="5" idx="1"/>
+          </p:cNvCxnSpPr>
+          <p:nvPr/>
+        </p:nvCxnSpPr>
+        <p:spPr>
+          <a:xfrm>
+            <a:off x="2027483" y="2083804"/>
+            <a:ext cx="1272563" cy="0"/>
+          </a:xfrm>
+          <a:prstGeom prst="straightConnector1">
+            <a:avLst/>
+          </a:prstGeom>
+          <a:ln>
+            <a:tailEnd type="triangle"/>
+          </a:ln>
+        </p:spPr>
+        <p:style>
+          <a:lnRef idx="1">
+            <a:schemeClr val="accent1"/>
+          </a:lnRef>
+          <a:fillRef idx="0">
+            <a:schemeClr val="accent1"/>
+          </a:fillRef>
+          <a:effectRef idx="0">
+            <a:schemeClr val="accent1"/>
+          </a:effectRef>
+          <a:fontRef idx="minor">
+            <a:schemeClr val="tx1"/>
+          </a:fontRef>
+        </p:style>
+      </p:cxnSp>
+      <p:sp>
+        <p:nvSpPr>
+          <p:cNvPr id="7" name="TextBox 6">
+            <a:extLst>
+              <a:ext uri="{FF2B5EF4-FFF2-40B4-BE49-F238E27FC236}">
+                <a16:creationId xmlns:a16="http://schemas.microsoft.com/office/drawing/2014/main" id="{81D70F66-8EDC-8D46-C9C9-CAAF8E50420D}"/>
+              </a:ext>
+            </a:extLst>
+          </p:cNvPr>
+          <p:cNvSpPr txBox="1"/>
+          <p:nvPr/>
+        </p:nvSpPr>
+        <p:spPr>
+          <a:xfrm>
+            <a:off x="8760505" y="2967568"/>
+            <a:ext cx="1193981" cy="369332"/>
+          </a:xfrm>
+          <a:prstGeom prst="rect">
+            <a:avLst/>
+          </a:prstGeom>
+          <a:noFill/>
+          <a:ln>
+            <a:solidFill>
+              <a:schemeClr val="tx1"/>
+            </a:solidFill>
+          </a:ln>
+        </p:spPr>
+        <p:txBody>
+          <a:bodyPr wrap="none" rtlCol="0">
+            <a:spAutoFit/>
+          </a:bodyPr>
+          <a:lstStyle/>
+          <a:p>
+            <a:r>
+              <a:rPr lang="en-PH" dirty="0" err="1"/>
+              <a:t>reguser.jsp</a:t>
+            </a:r>
+            <a:endParaRPr lang="en-PH" dirty="0"/>
+          </a:p>
+        </p:txBody>
+      </p:sp>
+      <p:sp>
+        <p:nvSpPr>
+          <p:cNvPr id="8" name="TextBox 7">
+            <a:extLst>
+              <a:ext uri="{FF2B5EF4-FFF2-40B4-BE49-F238E27FC236}">
+                <a16:creationId xmlns:a16="http://schemas.microsoft.com/office/drawing/2014/main" id="{2D5CFB1B-F540-325D-1FDC-7B44905AD4A6}"/>
+              </a:ext>
+            </a:extLst>
+          </p:cNvPr>
+          <p:cNvSpPr txBox="1"/>
+          <p:nvPr/>
+        </p:nvSpPr>
+        <p:spPr>
+          <a:xfrm>
+            <a:off x="3783511" y="2918692"/>
+            <a:ext cx="872034" cy="369332"/>
+          </a:xfrm>
+          <a:prstGeom prst="rect">
+            <a:avLst/>
+          </a:prstGeom>
+          <a:noFill/>
+          <a:ln>
+            <a:solidFill>
+              <a:schemeClr val="tx1"/>
+            </a:solidFill>
+          </a:ln>
+        </p:spPr>
+        <p:txBody>
+          <a:bodyPr wrap="none" rtlCol="0">
+            <a:spAutoFit/>
+          </a:bodyPr>
+          <a:lstStyle/>
+          <a:p>
+            <a:r>
+              <a:rPr lang="en-PH" dirty="0" err="1"/>
+              <a:t>cart.jsp</a:t>
+            </a:r>
+            <a:endParaRPr lang="en-PH" dirty="0"/>
+          </a:p>
+        </p:txBody>
+      </p:sp>
+      <p:sp>
+        <p:nvSpPr>
+          <p:cNvPr id="9" name="TextBox 8">
+            <a:extLst>
+              <a:ext uri="{FF2B5EF4-FFF2-40B4-BE49-F238E27FC236}">
+                <a16:creationId xmlns:a16="http://schemas.microsoft.com/office/drawing/2014/main" id="{3E03F976-F91D-F080-950B-85B3E6EA81EF}"/>
+              </a:ext>
+            </a:extLst>
+          </p:cNvPr>
+          <p:cNvSpPr txBox="1"/>
+          <p:nvPr/>
+        </p:nvSpPr>
+        <p:spPr>
+          <a:xfrm>
+            <a:off x="9357495" y="3973135"/>
+            <a:ext cx="1337226" cy="369332"/>
+          </a:xfrm>
+          <a:prstGeom prst="rect">
+            <a:avLst/>
+          </a:prstGeom>
+          <a:noFill/>
+          <a:ln>
+            <a:solidFill>
+              <a:schemeClr val="tx1"/>
+            </a:solidFill>
+          </a:ln>
+        </p:spPr>
+        <p:txBody>
+          <a:bodyPr wrap="none" rtlCol="0">
+            <a:spAutoFit/>
+          </a:bodyPr>
+          <a:lstStyle/>
+          <a:p>
+            <a:r>
+              <a:rPr lang="en-PH" dirty="0" err="1"/>
+              <a:t>payment.jsp</a:t>
+            </a:r>
+            <a:endParaRPr lang="en-PH" dirty="0"/>
+          </a:p>
+        </p:txBody>
+      </p:sp>
+      <p:sp>
+        <p:nvSpPr>
+          <p:cNvPr id="10" name="TextBox 9">
+            <a:extLst>
+              <a:ext uri="{FF2B5EF4-FFF2-40B4-BE49-F238E27FC236}">
+                <a16:creationId xmlns:a16="http://schemas.microsoft.com/office/drawing/2014/main" id="{2DE826BB-519D-97D4-466B-8320BFD9AAFA}"/>
+              </a:ext>
+            </a:extLst>
+          </p:cNvPr>
+          <p:cNvSpPr txBox="1"/>
+          <p:nvPr/>
+        </p:nvSpPr>
+        <p:spPr>
+          <a:xfrm>
+            <a:off x="8498473" y="1918353"/>
+            <a:ext cx="1873013" cy="369332"/>
+          </a:xfrm>
+          <a:prstGeom prst="rect">
+            <a:avLst/>
+          </a:prstGeom>
+          <a:noFill/>
+          <a:ln>
+            <a:solidFill>
+              <a:schemeClr val="tx1"/>
+            </a:solidFill>
+          </a:ln>
+        </p:spPr>
+        <p:txBody>
+          <a:bodyPr wrap="none" rtlCol="0">
+            <a:spAutoFit/>
+          </a:bodyPr>
+          <a:lstStyle/>
+          <a:p>
+            <a:r>
+              <a:rPr lang="en-PH" dirty="0"/>
+              <a:t>ProductServlet.do</a:t>
+            </a:r>
+          </a:p>
+        </p:txBody>
+      </p:sp>
+      <p:sp>
+        <p:nvSpPr>
+          <p:cNvPr id="13" name="TextBox 12">
+            <a:extLst>
+              <a:ext uri="{FF2B5EF4-FFF2-40B4-BE49-F238E27FC236}">
+                <a16:creationId xmlns:a16="http://schemas.microsoft.com/office/drawing/2014/main" id="{5ACF8C05-06FC-4258-E97A-D78A2BF12DE1}"/>
+              </a:ext>
+            </a:extLst>
+          </p:cNvPr>
+          <p:cNvSpPr txBox="1"/>
+          <p:nvPr/>
+        </p:nvSpPr>
+        <p:spPr>
+          <a:xfrm>
+            <a:off x="5539540" y="1918353"/>
+            <a:ext cx="1641090" cy="369332"/>
+          </a:xfrm>
+          <a:prstGeom prst="rect">
+            <a:avLst/>
+          </a:prstGeom>
+          <a:noFill/>
+          <a:ln>
+            <a:solidFill>
+              <a:schemeClr val="tx1"/>
+            </a:solidFill>
+          </a:ln>
+        </p:spPr>
+        <p:txBody>
+          <a:bodyPr wrap="none" rtlCol="0">
+            <a:spAutoFit/>
+          </a:bodyPr>
+          <a:lstStyle/>
+          <a:p>
+            <a:r>
+              <a:rPr lang="en-PH" dirty="0"/>
+              <a:t>LoginServlet.do</a:t>
+            </a:r>
+          </a:p>
+        </p:txBody>
+      </p:sp>
+      <p:cxnSp>
+        <p:nvCxnSpPr>
+          <p:cNvPr id="14" name="Straight Arrow Connector 13">
+            <a:extLst>
+              <a:ext uri="{FF2B5EF4-FFF2-40B4-BE49-F238E27FC236}">
+                <a16:creationId xmlns:a16="http://schemas.microsoft.com/office/drawing/2014/main" id="{E22369AE-B6E6-EC36-A3E7-07ADCF51EB48}"/>
+              </a:ext>
+            </a:extLst>
+          </p:cNvPr>
+          <p:cNvCxnSpPr/>
+          <p:nvPr/>
+        </p:nvCxnSpPr>
+        <p:spPr>
+          <a:xfrm>
+            <a:off x="4266977" y="2103019"/>
+            <a:ext cx="1272563" cy="0"/>
+          </a:xfrm>
+          <a:prstGeom prst="straightConnector1">
+            <a:avLst/>
+          </a:prstGeom>
+          <a:ln>
+            <a:tailEnd type="triangle"/>
+          </a:ln>
+        </p:spPr>
+        <p:style>
+          <a:lnRef idx="1">
+            <a:schemeClr val="accent1"/>
+          </a:lnRef>
+          <a:fillRef idx="0">
+            <a:schemeClr val="accent1"/>
+          </a:fillRef>
+          <a:effectRef idx="0">
+            <a:schemeClr val="accent1"/>
+          </a:effectRef>
+          <a:fontRef idx="minor">
+            <a:schemeClr val="tx1"/>
+          </a:fontRef>
+        </p:style>
+      </p:cxnSp>
+      <p:cxnSp>
+        <p:nvCxnSpPr>
+          <p:cNvPr id="15" name="Straight Arrow Connector 14">
+            <a:extLst>
+              <a:ext uri="{FF2B5EF4-FFF2-40B4-BE49-F238E27FC236}">
+                <a16:creationId xmlns:a16="http://schemas.microsoft.com/office/drawing/2014/main" id="{CB01A8A8-856D-53E9-DFC5-7FB5C4980A5D}"/>
+              </a:ext>
+            </a:extLst>
+          </p:cNvPr>
+          <p:cNvCxnSpPr/>
+          <p:nvPr/>
+        </p:nvCxnSpPr>
+        <p:spPr>
+          <a:xfrm>
+            <a:off x="7203270" y="2103957"/>
+            <a:ext cx="1272563" cy="0"/>
+          </a:xfrm>
+          <a:prstGeom prst="straightConnector1">
+            <a:avLst/>
+          </a:prstGeom>
+          <a:ln>
+            <a:tailEnd type="triangle"/>
+          </a:ln>
+        </p:spPr>
+        <p:style>
+          <a:lnRef idx="1">
+            <a:schemeClr val="accent1"/>
+          </a:lnRef>
+          <a:fillRef idx="0">
+            <a:schemeClr val="accent1"/>
+          </a:fillRef>
+          <a:effectRef idx="0">
+            <a:schemeClr val="accent1"/>
+          </a:effectRef>
+          <a:fontRef idx="minor">
+            <a:schemeClr val="tx1"/>
+          </a:fontRef>
+        </p:style>
+      </p:cxnSp>
+      <p:cxnSp>
+        <p:nvCxnSpPr>
+          <p:cNvPr id="16" name="Straight Arrow Connector 15">
+            <a:extLst>
+              <a:ext uri="{FF2B5EF4-FFF2-40B4-BE49-F238E27FC236}">
+                <a16:creationId xmlns:a16="http://schemas.microsoft.com/office/drawing/2014/main" id="{02ABFFA3-9FE0-6B25-B925-77FD050D5BF4}"/>
+              </a:ext>
+            </a:extLst>
+          </p:cNvPr>
+          <p:cNvCxnSpPr/>
+          <p:nvPr/>
+        </p:nvCxnSpPr>
+        <p:spPr>
+          <a:xfrm flipH="1">
+            <a:off x="9072669" y="2287685"/>
+            <a:ext cx="1" cy="679883"/>
+          </a:xfrm>
+          <a:prstGeom prst="straightConnector1">
+            <a:avLst/>
+          </a:prstGeom>
+          <a:ln>
+            <a:tailEnd type="triangle"/>
+          </a:ln>
+        </p:spPr>
+        <p:style>
+          <a:lnRef idx="1">
+            <a:schemeClr val="accent1"/>
+          </a:lnRef>
+          <a:fillRef idx="0">
+            <a:schemeClr val="accent1"/>
+          </a:fillRef>
+          <a:effectRef idx="0">
+            <a:schemeClr val="accent1"/>
+          </a:effectRef>
+          <a:fontRef idx="minor">
+            <a:schemeClr val="tx1"/>
+          </a:fontRef>
+        </p:style>
+      </p:cxnSp>
+      <p:cxnSp>
+        <p:nvCxnSpPr>
+          <p:cNvPr id="17" name="Straight Arrow Connector 16">
+            <a:extLst>
+              <a:ext uri="{FF2B5EF4-FFF2-40B4-BE49-F238E27FC236}">
+                <a16:creationId xmlns:a16="http://schemas.microsoft.com/office/drawing/2014/main" id="{FCC8E487-2656-6E4D-F8E6-E36645C453DF}"/>
+              </a:ext>
+            </a:extLst>
+          </p:cNvPr>
+          <p:cNvCxnSpPr>
+            <a:cxnSpLocks/>
+          </p:cNvCxnSpPr>
+          <p:nvPr/>
+        </p:nvCxnSpPr>
+        <p:spPr>
+          <a:xfrm flipV="1">
+            <a:off x="9646866" y="2268470"/>
+            <a:ext cx="1" cy="679883"/>
+          </a:xfrm>
+          <a:prstGeom prst="straightConnector1">
+            <a:avLst/>
+          </a:prstGeom>
+          <a:ln>
+            <a:tailEnd type="triangle"/>
+          </a:ln>
+        </p:spPr>
+        <p:style>
+          <a:lnRef idx="1">
+            <a:schemeClr val="accent1"/>
+          </a:lnRef>
+          <a:fillRef idx="0">
+            <a:schemeClr val="accent1"/>
+          </a:fillRef>
+          <a:effectRef idx="0">
+            <a:schemeClr val="accent1"/>
+          </a:effectRef>
+          <a:fontRef idx="minor">
+            <a:schemeClr val="tx1"/>
+          </a:fontRef>
+        </p:style>
+      </p:cxnSp>
+      <p:sp>
+        <p:nvSpPr>
+          <p:cNvPr id="18" name="TextBox 17">
+            <a:extLst>
+              <a:ext uri="{FF2B5EF4-FFF2-40B4-BE49-F238E27FC236}">
+                <a16:creationId xmlns:a16="http://schemas.microsoft.com/office/drawing/2014/main" id="{BC33A4D2-E036-1B7E-1A7A-364F7DB8D4F3}"/>
+              </a:ext>
+            </a:extLst>
+          </p:cNvPr>
+          <p:cNvSpPr txBox="1"/>
+          <p:nvPr/>
+        </p:nvSpPr>
+        <p:spPr>
+          <a:xfrm>
+            <a:off x="5959062" y="2948353"/>
+            <a:ext cx="1528880" cy="369332"/>
+          </a:xfrm>
+          <a:prstGeom prst="rect">
+            <a:avLst/>
+          </a:prstGeom>
+          <a:noFill/>
+          <a:ln>
+            <a:solidFill>
+              <a:schemeClr val="tx1"/>
+            </a:solidFill>
+          </a:ln>
+        </p:spPr>
+        <p:txBody>
+          <a:bodyPr wrap="none" rtlCol="0">
+            <a:spAutoFit/>
+          </a:bodyPr>
+          <a:lstStyle/>
+          <a:p>
+            <a:r>
+              <a:rPr lang="en-PH" dirty="0"/>
+              <a:t>CartServlet.do</a:t>
+            </a:r>
+          </a:p>
+        </p:txBody>
+      </p:sp>
+      <p:cxnSp>
+        <p:nvCxnSpPr>
+          <p:cNvPr id="19" name="Straight Arrow Connector 18">
+            <a:extLst>
+              <a:ext uri="{FF2B5EF4-FFF2-40B4-BE49-F238E27FC236}">
+                <a16:creationId xmlns:a16="http://schemas.microsoft.com/office/drawing/2014/main" id="{6CAE6729-34CA-8800-208F-46CE43A880E3}"/>
+              </a:ext>
+            </a:extLst>
+          </p:cNvPr>
+          <p:cNvCxnSpPr>
+            <a:cxnSpLocks/>
+          </p:cNvCxnSpPr>
+          <p:nvPr/>
+        </p:nvCxnSpPr>
+        <p:spPr>
+          <a:xfrm flipH="1">
+            <a:off x="7487942" y="3138574"/>
+            <a:ext cx="1272563" cy="0"/>
+          </a:xfrm>
+          <a:prstGeom prst="straightConnector1">
+            <a:avLst/>
+          </a:prstGeom>
+          <a:ln>
+            <a:tailEnd type="triangle"/>
+          </a:ln>
+        </p:spPr>
+        <p:style>
+          <a:lnRef idx="1">
+            <a:schemeClr val="accent1"/>
+          </a:lnRef>
+          <a:fillRef idx="0">
+            <a:schemeClr val="accent1"/>
+          </a:fillRef>
+          <a:effectRef idx="0">
+            <a:schemeClr val="accent1"/>
+          </a:effectRef>
+          <a:fontRef idx="minor">
+            <a:schemeClr val="tx1"/>
+          </a:fontRef>
+        </p:style>
+      </p:cxnSp>
+      <p:cxnSp>
+        <p:nvCxnSpPr>
+          <p:cNvPr id="20" name="Straight Arrow Connector 19">
+            <a:extLst>
+              <a:ext uri="{FF2B5EF4-FFF2-40B4-BE49-F238E27FC236}">
+                <a16:creationId xmlns:a16="http://schemas.microsoft.com/office/drawing/2014/main" id="{10C71EC8-B3F6-5911-7724-AEBFA497442F}"/>
+              </a:ext>
+            </a:extLst>
+          </p:cNvPr>
+          <p:cNvCxnSpPr>
+            <a:cxnSpLocks/>
+          </p:cNvCxnSpPr>
+          <p:nvPr/>
+        </p:nvCxnSpPr>
+        <p:spPr>
+          <a:xfrm flipH="1">
+            <a:off x="4686499" y="3133019"/>
+            <a:ext cx="1272563" cy="0"/>
+          </a:xfrm>
+          <a:prstGeom prst="straightConnector1">
+            <a:avLst/>
+          </a:prstGeom>
+          <a:ln>
+            <a:tailEnd type="triangle"/>
+          </a:ln>
+        </p:spPr>
+        <p:style>
+          <a:lnRef idx="1">
+            <a:schemeClr val="accent1"/>
+          </a:lnRef>
+          <a:fillRef idx="0">
+            <a:schemeClr val="accent1"/>
+          </a:fillRef>
+          <a:effectRef idx="0">
+            <a:schemeClr val="accent1"/>
+          </a:effectRef>
+          <a:fontRef idx="minor">
+            <a:schemeClr val="tx1"/>
+          </a:fontRef>
+        </p:style>
+      </p:cxnSp>
+      <p:sp>
+        <p:nvSpPr>
+          <p:cNvPr id="21" name="TextBox 20">
+            <a:extLst>
+              <a:ext uri="{FF2B5EF4-FFF2-40B4-BE49-F238E27FC236}">
+                <a16:creationId xmlns:a16="http://schemas.microsoft.com/office/drawing/2014/main" id="{6A871E82-BAF4-672D-886E-503A3F380695}"/>
+              </a:ext>
+            </a:extLst>
+          </p:cNvPr>
+          <p:cNvSpPr txBox="1"/>
+          <p:nvPr/>
+        </p:nvSpPr>
+        <p:spPr>
+          <a:xfrm>
+            <a:off x="3676366" y="3984333"/>
+            <a:ext cx="1958357" cy="369332"/>
+          </a:xfrm>
+          <a:prstGeom prst="rect">
+            <a:avLst/>
+          </a:prstGeom>
+          <a:noFill/>
+          <a:ln>
+            <a:solidFill>
+              <a:schemeClr val="tx1"/>
+            </a:solidFill>
+          </a:ln>
+        </p:spPr>
+        <p:txBody>
+          <a:bodyPr wrap="none" rtlCol="0">
+            <a:spAutoFit/>
+          </a:bodyPr>
+          <a:lstStyle/>
+          <a:p>
+            <a:r>
+              <a:rPr lang="en-PH" dirty="0"/>
+              <a:t>PaymentServlet.do</a:t>
+            </a:r>
+          </a:p>
+        </p:txBody>
+      </p:sp>
+      <p:cxnSp>
+        <p:nvCxnSpPr>
+          <p:cNvPr id="24" name="Straight Arrow Connector 23">
+            <a:extLst>
+              <a:ext uri="{FF2B5EF4-FFF2-40B4-BE49-F238E27FC236}">
+                <a16:creationId xmlns:a16="http://schemas.microsoft.com/office/drawing/2014/main" id="{389EE3EE-ABEB-6B42-F310-E520284AED7A}"/>
+              </a:ext>
+            </a:extLst>
+          </p:cNvPr>
+          <p:cNvCxnSpPr/>
+          <p:nvPr/>
+        </p:nvCxnSpPr>
+        <p:spPr>
+          <a:xfrm flipH="1">
+            <a:off x="4266976" y="3297205"/>
+            <a:ext cx="1" cy="679883"/>
+          </a:xfrm>
+          <a:prstGeom prst="straightConnector1">
+            <a:avLst/>
+          </a:prstGeom>
+          <a:ln>
+            <a:tailEnd type="triangle"/>
+          </a:ln>
+        </p:spPr>
+        <p:style>
+          <a:lnRef idx="1">
+            <a:schemeClr val="accent1"/>
+          </a:lnRef>
+          <a:fillRef idx="0">
+            <a:schemeClr val="accent1"/>
+          </a:fillRef>
+          <a:effectRef idx="0">
+            <a:schemeClr val="accent1"/>
+          </a:effectRef>
+          <a:fontRef idx="minor">
+            <a:schemeClr val="tx1"/>
+          </a:fontRef>
+        </p:style>
+      </p:cxnSp>
+      <p:cxnSp>
+        <p:nvCxnSpPr>
+          <p:cNvPr id="25" name="Straight Arrow Connector 24">
+            <a:extLst>
+              <a:ext uri="{FF2B5EF4-FFF2-40B4-BE49-F238E27FC236}">
+                <a16:creationId xmlns:a16="http://schemas.microsoft.com/office/drawing/2014/main" id="{105B62C9-3C49-7E78-DBB6-D699AC7848C6}"/>
+              </a:ext>
+            </a:extLst>
+          </p:cNvPr>
+          <p:cNvCxnSpPr>
+            <a:cxnSpLocks/>
+            <a:stCxn id="21" idx="3"/>
+            <a:endCxn id="9" idx="1"/>
+          </p:cNvCxnSpPr>
+          <p:nvPr/>
+        </p:nvCxnSpPr>
+        <p:spPr>
+          <a:xfrm flipV="1">
+            <a:off x="5634723" y="4157801"/>
+            <a:ext cx="3722772" cy="11198"/>
+          </a:xfrm>
+          <a:prstGeom prst="straightConnector1">
+            <a:avLst/>
+          </a:prstGeom>
+          <a:ln>
+            <a:tailEnd type="triangle"/>
+          </a:ln>
+        </p:spPr>
+        <p:style>
+          <a:lnRef idx="1">
+            <a:schemeClr val="accent1"/>
+          </a:lnRef>
+          <a:fillRef idx="0">
+            <a:schemeClr val="accent1"/>
+          </a:fillRef>
+          <a:effectRef idx="0">
+            <a:schemeClr val="accent1"/>
+          </a:effectRef>
+          <a:fontRef idx="minor">
+            <a:schemeClr val="tx1"/>
+          </a:fontRef>
+        </p:style>
+      </p:cxnSp>
+      <p:cxnSp>
+        <p:nvCxnSpPr>
+          <p:cNvPr id="29" name="Straight Arrow Connector 28">
+            <a:extLst>
+              <a:ext uri="{FF2B5EF4-FFF2-40B4-BE49-F238E27FC236}">
+                <a16:creationId xmlns:a16="http://schemas.microsoft.com/office/drawing/2014/main" id="{EBCD00B6-2CDF-1C78-4210-5C418ACAE57C}"/>
+              </a:ext>
+            </a:extLst>
+          </p:cNvPr>
+          <p:cNvCxnSpPr>
+            <a:cxnSpLocks/>
+          </p:cNvCxnSpPr>
+          <p:nvPr/>
+        </p:nvCxnSpPr>
+        <p:spPr>
+          <a:xfrm flipV="1">
+            <a:off x="10241583" y="2316939"/>
+            <a:ext cx="0" cy="1656196"/>
+          </a:xfrm>
+          <a:prstGeom prst="straightConnector1">
+            <a:avLst/>
+          </a:prstGeom>
+          <a:ln>
+            <a:tailEnd type="triangle"/>
+          </a:ln>
+        </p:spPr>
+        <p:style>
+          <a:lnRef idx="1">
+            <a:schemeClr val="accent1"/>
+          </a:lnRef>
+          <a:fillRef idx="0">
+            <a:schemeClr val="accent1"/>
+          </a:fillRef>
+          <a:effectRef idx="0">
+            <a:schemeClr val="accent1"/>
+          </a:effectRef>
+          <a:fontRef idx="minor">
+            <a:schemeClr val="tx1"/>
+          </a:fontRef>
+        </p:style>
+      </p:cxnSp>
+    </p:spTree>
+    <p:extLst>
+      <p:ext uri="{BB962C8B-B14F-4D97-AF65-F5344CB8AC3E}">
+        <p14:creationId xmlns:p14="http://schemas.microsoft.com/office/powerpoint/2010/main" val="1252780045"/>
+      </p:ext>
+    </p:extLst>
+  </p:cSld>
+  <p:clrMapOvr>
+    <a:masterClrMapping/>
+  </p:clrMapOvr>
+</p:sld>
+</file>
+
+<file path=ppt/slides/slide3.xml><?xml version="1.0" encoding="utf-8"?>
+<p:sld xmlns:a="http://schemas.openxmlformats.org/drawingml/2006/main" xmlns:r="http://schemas.openxmlformats.org/officeDocument/2006/relationships" xmlns:p="http://schemas.openxmlformats.org/presentationml/2006/main">
+  <p:cSld>
+    <p:spTree>
+      <p:nvGrpSpPr>
+        <p:cNvPr id="1" name=""/>
+        <p:cNvGrpSpPr/>
+        <p:nvPr/>
+      </p:nvGrpSpPr>
+      <p:grpSpPr>
+        <a:xfrm>
+          <a:off x="0" y="0"/>
+          <a:ext cx="0" cy="0"/>
+          <a:chOff x="0" y="0"/>
+          <a:chExt cx="0" cy="0"/>
+        </a:xfrm>
+      </p:grpSpPr>
+      <p:sp>
+        <p:nvSpPr>
+          <p:cNvPr id="2" name="Title 1">
+            <a:extLst>
+              <a:ext uri="{FF2B5EF4-FFF2-40B4-BE49-F238E27FC236}">
                 <a16:creationId xmlns:a16="http://schemas.microsoft.com/office/drawing/2014/main" id="{CA2E8B05-D64E-6A0D-2C9C-8CEE5A1770D5}"/>
               </a:ext>
             </a:extLst>
@@ -5409,7 +6238,7 @@
 </p:sld>
 </file>
 
-<file path=ppt/slides/slide3.xml><?xml version="1.0" encoding="utf-8"?>
+<file path=ppt/slides/slide4.xml><?xml version="1.0" encoding="utf-8"?>
 <p:sld xmlns:a="http://schemas.openxmlformats.org/drawingml/2006/main" xmlns:r="http://schemas.openxmlformats.org/officeDocument/2006/relationships" xmlns:p="http://schemas.openxmlformats.org/presentationml/2006/main">
   <p:cSld>
     <p:spTree>

--- a/OnlineStoreDesign.pptx
+++ b/OnlineStoreDesign.pptx
@@ -264,7 +264,7 @@
           <a:p>
             <a:fld id="{5AC92F4A-DECD-4A23-8851-8B79A4B4F19B}" type="datetimeFigureOut">
               <a:rPr lang="en-PH" smtClean="0"/>
-              <a:t>08/05/2022</a:t>
+              <a:t>11/05/2022</a:t>
             </a:fld>
             <a:endParaRPr lang="en-PH"/>
           </a:p>
@@ -464,7 +464,7 @@
           <a:p>
             <a:fld id="{5AC92F4A-DECD-4A23-8851-8B79A4B4F19B}" type="datetimeFigureOut">
               <a:rPr lang="en-PH" smtClean="0"/>
-              <a:t>08/05/2022</a:t>
+              <a:t>11/05/2022</a:t>
             </a:fld>
             <a:endParaRPr lang="en-PH"/>
           </a:p>
@@ -674,7 +674,7 @@
           <a:p>
             <a:fld id="{5AC92F4A-DECD-4A23-8851-8B79A4B4F19B}" type="datetimeFigureOut">
               <a:rPr lang="en-PH" smtClean="0"/>
-              <a:t>08/05/2022</a:t>
+              <a:t>11/05/2022</a:t>
             </a:fld>
             <a:endParaRPr lang="en-PH"/>
           </a:p>
@@ -874,7 +874,7 @@
           <a:p>
             <a:fld id="{5AC92F4A-DECD-4A23-8851-8B79A4B4F19B}" type="datetimeFigureOut">
               <a:rPr lang="en-PH" smtClean="0"/>
-              <a:t>08/05/2022</a:t>
+              <a:t>11/05/2022</a:t>
             </a:fld>
             <a:endParaRPr lang="en-PH"/>
           </a:p>
@@ -1150,7 +1150,7 @@
           <a:p>
             <a:fld id="{5AC92F4A-DECD-4A23-8851-8B79A4B4F19B}" type="datetimeFigureOut">
               <a:rPr lang="en-PH" smtClean="0"/>
-              <a:t>08/05/2022</a:t>
+              <a:t>11/05/2022</a:t>
             </a:fld>
             <a:endParaRPr lang="en-PH"/>
           </a:p>
@@ -1418,7 +1418,7 @@
           <a:p>
             <a:fld id="{5AC92F4A-DECD-4A23-8851-8B79A4B4F19B}" type="datetimeFigureOut">
               <a:rPr lang="en-PH" smtClean="0"/>
-              <a:t>08/05/2022</a:t>
+              <a:t>11/05/2022</a:t>
             </a:fld>
             <a:endParaRPr lang="en-PH"/>
           </a:p>
@@ -1833,7 +1833,7 @@
           <a:p>
             <a:fld id="{5AC92F4A-DECD-4A23-8851-8B79A4B4F19B}" type="datetimeFigureOut">
               <a:rPr lang="en-PH" smtClean="0"/>
-              <a:t>08/05/2022</a:t>
+              <a:t>11/05/2022</a:t>
             </a:fld>
             <a:endParaRPr lang="en-PH"/>
           </a:p>
@@ -1975,7 +1975,7 @@
           <a:p>
             <a:fld id="{5AC92F4A-DECD-4A23-8851-8B79A4B4F19B}" type="datetimeFigureOut">
               <a:rPr lang="en-PH" smtClean="0"/>
-              <a:t>08/05/2022</a:t>
+              <a:t>11/05/2022</a:t>
             </a:fld>
             <a:endParaRPr lang="en-PH"/>
           </a:p>
@@ -2088,7 +2088,7 @@
           <a:p>
             <a:fld id="{5AC92F4A-DECD-4A23-8851-8B79A4B4F19B}" type="datetimeFigureOut">
               <a:rPr lang="en-PH" smtClean="0"/>
-              <a:t>08/05/2022</a:t>
+              <a:t>11/05/2022</a:t>
             </a:fld>
             <a:endParaRPr lang="en-PH"/>
           </a:p>
@@ -2401,7 +2401,7 @@
           <a:p>
             <a:fld id="{5AC92F4A-DECD-4A23-8851-8B79A4B4F19B}" type="datetimeFigureOut">
               <a:rPr lang="en-PH" smtClean="0"/>
-              <a:t>08/05/2022</a:t>
+              <a:t>11/05/2022</a:t>
             </a:fld>
             <a:endParaRPr lang="en-PH"/>
           </a:p>
@@ -2690,7 +2690,7 @@
           <a:p>
             <a:fld id="{5AC92F4A-DECD-4A23-8851-8B79A4B4F19B}" type="datetimeFigureOut">
               <a:rPr lang="en-PH" smtClean="0"/>
-              <a:t>08/05/2022</a:t>
+              <a:t>11/05/2022</a:t>
             </a:fld>
             <a:endParaRPr lang="en-PH"/>
           </a:p>
@@ -2933,7 +2933,7 @@
           <a:p>
             <a:fld id="{5AC92F4A-DECD-4A23-8851-8B79A4B4F19B}" type="datetimeFigureOut">
               <a:rPr lang="en-PH" smtClean="0"/>
-              <a:t>08/05/2022</a:t>
+              <a:t>11/05/2022</a:t>
             </a:fld>
             <a:endParaRPr lang="en-PH"/>
           </a:p>
@@ -3370,6 +3370,49 @@
           <a:prstGeom prst="rect">
             <a:avLst/>
           </a:prstGeom>
+          <a:solidFill>
+            <a:srgbClr val="C00000"/>
+          </a:solidFill>
+          <a:ln>
+            <a:solidFill>
+              <a:schemeClr val="tx1"/>
+            </a:solidFill>
+          </a:ln>
+        </p:spPr>
+        <p:txBody>
+          <a:bodyPr wrap="none" rtlCol="0">
+            <a:spAutoFit/>
+          </a:bodyPr>
+          <a:lstStyle/>
+          <a:p>
+            <a:r>
+              <a:rPr lang="en-PH" dirty="0" err="1"/>
+              <a:t>index.jsp</a:t>
+            </a:r>
+            <a:endParaRPr lang="en-PH" dirty="0"/>
+          </a:p>
+        </p:txBody>
+      </p:sp>
+      <p:sp>
+        <p:nvSpPr>
+          <p:cNvPr id="6" name="TextBox 5">
+            <a:extLst>
+              <a:ext uri="{FF2B5EF4-FFF2-40B4-BE49-F238E27FC236}">
+                <a16:creationId xmlns:a16="http://schemas.microsoft.com/office/drawing/2014/main" id="{0FBB28BC-874C-9154-C50E-03F7FC050457}"/>
+              </a:ext>
+            </a:extLst>
+          </p:cNvPr>
+          <p:cNvSpPr txBox="1"/>
+          <p:nvPr/>
+        </p:nvSpPr>
+        <p:spPr>
+          <a:xfrm>
+            <a:off x="3300046" y="1899138"/>
+            <a:ext cx="966931" cy="369332"/>
+          </a:xfrm>
+          <a:prstGeom prst="rect">
+            <a:avLst/>
+          </a:prstGeom>
           <a:noFill/>
           <a:ln>
             <a:solidFill>
@@ -3385,47 +3428,6 @@
           <a:p>
             <a:r>
               <a:rPr lang="en-PH" dirty="0" err="1"/>
-              <a:t>index.jsp</a:t>
-            </a:r>
-            <a:endParaRPr lang="en-PH" dirty="0"/>
-          </a:p>
-        </p:txBody>
-      </p:sp>
-      <p:sp>
-        <p:nvSpPr>
-          <p:cNvPr id="6" name="TextBox 5">
-            <a:extLst>
-              <a:ext uri="{FF2B5EF4-FFF2-40B4-BE49-F238E27FC236}">
-                <a16:creationId xmlns:a16="http://schemas.microsoft.com/office/drawing/2014/main" id="{0FBB28BC-874C-9154-C50E-03F7FC050457}"/>
-              </a:ext>
-            </a:extLst>
-          </p:cNvPr>
-          <p:cNvSpPr txBox="1"/>
-          <p:nvPr/>
-        </p:nvSpPr>
-        <p:spPr>
-          <a:xfrm>
-            <a:off x="3300046" y="1899138"/>
-            <a:ext cx="966931" cy="369332"/>
-          </a:xfrm>
-          <a:prstGeom prst="rect">
-            <a:avLst/>
-          </a:prstGeom>
-          <a:noFill/>
-          <a:ln>
-            <a:solidFill>
-              <a:schemeClr val="tx1"/>
-            </a:solidFill>
-          </a:ln>
-        </p:spPr>
-        <p:txBody>
-          <a:bodyPr wrap="none" rtlCol="0">
-            <a:spAutoFit/>
-          </a:bodyPr>
-          <a:lstStyle/>
-          <a:p>
-            <a:r>
-              <a:rPr lang="en-PH" dirty="0" err="1"/>
               <a:t>login.jsp</a:t>
             </a:r>
             <a:endParaRPr lang="en-PH" dirty="0"/>
@@ -3452,7 +3454,9 @@
           <a:prstGeom prst="rect">
             <a:avLst/>
           </a:prstGeom>
-          <a:noFill/>
+          <a:solidFill>
+            <a:schemeClr val="accent5"/>
+          </a:solidFill>
           <a:ln>
             <a:solidFill>
               <a:schemeClr val="tx1"/>
@@ -3907,7 +3911,9 @@
           <a:prstGeom prst="rect">
             <a:avLst/>
           </a:prstGeom>
-          <a:noFill/>
+          <a:solidFill>
+            <a:schemeClr val="accent5"/>
+          </a:solidFill>
           <a:ln>
             <a:solidFill>
               <a:schemeClr val="tx1"/>
@@ -3948,7 +3954,9 @@
           <a:prstGeom prst="rect">
             <a:avLst/>
           </a:prstGeom>
-          <a:noFill/>
+          <a:solidFill>
+            <a:schemeClr val="accent6"/>
+          </a:solidFill>
           <a:ln>
             <a:solidFill>
               <a:schemeClr val="tx1"/>
@@ -3989,7 +3997,9 @@
           <a:prstGeom prst="rect">
             <a:avLst/>
           </a:prstGeom>
-          <a:noFill/>
+          <a:solidFill>
+            <a:schemeClr val="accent4"/>
+          </a:solidFill>
           <a:ln>
             <a:solidFill>
               <a:schemeClr val="tx1"/>
@@ -4030,7 +4040,9 @@
           <a:prstGeom prst="rect">
             <a:avLst/>
           </a:prstGeom>
-          <a:noFill/>
+          <a:solidFill>
+            <a:schemeClr val="accent5"/>
+          </a:solidFill>
           <a:ln>
             <a:solidFill>
               <a:schemeClr val="tx1"/>
@@ -4313,7 +4325,9 @@
           <a:prstGeom prst="rect">
             <a:avLst/>
           </a:prstGeom>
-          <a:noFill/>
+          <a:solidFill>
+            <a:srgbClr val="C00000"/>
+          </a:solidFill>
           <a:ln>
             <a:solidFill>
               <a:schemeClr val="tx1"/>
@@ -4603,7 +4617,9 @@
           <a:prstGeom prst="rect">
             <a:avLst/>
           </a:prstGeom>
-          <a:noFill/>
+          <a:solidFill>
+            <a:schemeClr val="accent5"/>
+          </a:solidFill>
           <a:ln>
             <a:solidFill>
               <a:schemeClr val="tx1"/>
@@ -4644,7 +4660,9 @@
           <a:prstGeom prst="rect">
             <a:avLst/>
           </a:prstGeom>
-          <a:noFill/>
+          <a:solidFill>
+            <a:schemeClr val="accent5"/>
+          </a:solidFill>
           <a:ln>
             <a:solidFill>
               <a:schemeClr val="tx1"/>
@@ -4685,7 +4703,9 @@
           <a:prstGeom prst="rect">
             <a:avLst/>
           </a:prstGeom>
-          <a:noFill/>
+          <a:solidFill>
+            <a:srgbClr val="C00000"/>
+          </a:solidFill>
           <a:ln>
             <a:solidFill>
               <a:schemeClr val="tx1"/>
